--- a/Poster.pptx
+++ b/Poster.pptx
@@ -303,7 +303,7 @@
             <a:fld id="{819E844A-06B8-4F54-B006-03309D949AD1}" type="datetimeFigureOut">
               <a:rPr lang="es-ES" smtClean="0"/>
               <a:pPr/>
-              <a:t>31/05/2021</a:t>
+              <a:t>03/06/2021</a:t>
             </a:fld>
             <a:endParaRPr lang="es-ES"/>
           </a:p>
@@ -473,7 +473,7 @@
             <a:fld id="{819E844A-06B8-4F54-B006-03309D949AD1}" type="datetimeFigureOut">
               <a:rPr lang="es-ES" smtClean="0"/>
               <a:pPr/>
-              <a:t>31/05/2021</a:t>
+              <a:t>03/06/2021</a:t>
             </a:fld>
             <a:endParaRPr lang="es-ES"/>
           </a:p>
@@ -653,7 +653,7 @@
             <a:fld id="{819E844A-06B8-4F54-B006-03309D949AD1}" type="datetimeFigureOut">
               <a:rPr lang="es-ES" smtClean="0"/>
               <a:pPr/>
-              <a:t>31/05/2021</a:t>
+              <a:t>03/06/2021</a:t>
             </a:fld>
             <a:endParaRPr lang="es-ES"/>
           </a:p>
@@ -823,7 +823,7 @@
             <a:fld id="{819E844A-06B8-4F54-B006-03309D949AD1}" type="datetimeFigureOut">
               <a:rPr lang="es-ES" smtClean="0"/>
               <a:pPr/>
-              <a:t>31/05/2021</a:t>
+              <a:t>03/06/2021</a:t>
             </a:fld>
             <a:endParaRPr lang="es-ES"/>
           </a:p>
@@ -1070,7 +1070,7 @@
             <a:fld id="{819E844A-06B8-4F54-B006-03309D949AD1}" type="datetimeFigureOut">
               <a:rPr lang="es-ES" smtClean="0"/>
               <a:pPr/>
-              <a:t>31/05/2021</a:t>
+              <a:t>03/06/2021</a:t>
             </a:fld>
             <a:endParaRPr lang="es-ES"/>
           </a:p>
@@ -1357,7 +1357,7 @@
             <a:fld id="{819E844A-06B8-4F54-B006-03309D949AD1}" type="datetimeFigureOut">
               <a:rPr lang="es-ES" smtClean="0"/>
               <a:pPr/>
-              <a:t>31/05/2021</a:t>
+              <a:t>03/06/2021</a:t>
             </a:fld>
             <a:endParaRPr lang="es-ES"/>
           </a:p>
@@ -1783,7 +1783,7 @@
             <a:fld id="{819E844A-06B8-4F54-B006-03309D949AD1}" type="datetimeFigureOut">
               <a:rPr lang="es-ES" smtClean="0"/>
               <a:pPr/>
-              <a:t>31/05/2021</a:t>
+              <a:t>03/06/2021</a:t>
             </a:fld>
             <a:endParaRPr lang="es-ES"/>
           </a:p>
@@ -1902,7 +1902,7 @@
             <a:fld id="{819E844A-06B8-4F54-B006-03309D949AD1}" type="datetimeFigureOut">
               <a:rPr lang="es-ES" smtClean="0"/>
               <a:pPr/>
-              <a:t>31/05/2021</a:t>
+              <a:t>03/06/2021</a:t>
             </a:fld>
             <a:endParaRPr lang="es-ES"/>
           </a:p>
@@ -1999,7 +1999,7 @@
             <a:fld id="{819E844A-06B8-4F54-B006-03309D949AD1}" type="datetimeFigureOut">
               <a:rPr lang="es-ES" smtClean="0"/>
               <a:pPr/>
-              <a:t>31/05/2021</a:t>
+              <a:t>03/06/2021</a:t>
             </a:fld>
             <a:endParaRPr lang="es-ES"/>
           </a:p>
@@ -2276,7 +2276,7 @@
             <a:fld id="{819E844A-06B8-4F54-B006-03309D949AD1}" type="datetimeFigureOut">
               <a:rPr lang="es-ES" smtClean="0"/>
               <a:pPr/>
-              <a:t>31/05/2021</a:t>
+              <a:t>03/06/2021</a:t>
             </a:fld>
             <a:endParaRPr lang="es-ES"/>
           </a:p>
@@ -2530,7 +2530,7 @@
             <a:fld id="{819E844A-06B8-4F54-B006-03309D949AD1}" type="datetimeFigureOut">
               <a:rPr lang="es-ES" smtClean="0"/>
               <a:pPr/>
-              <a:t>31/05/2021</a:t>
+              <a:t>03/06/2021</a:t>
             </a:fld>
             <a:endParaRPr lang="es-ES"/>
           </a:p>
@@ -2743,7 +2743,7 @@
             <a:fld id="{819E844A-06B8-4F54-B006-03309D949AD1}" type="datetimeFigureOut">
               <a:rPr lang="es-ES" smtClean="0"/>
               <a:pPr/>
-              <a:t>31/05/2021</a:t>
+              <a:t>03/06/2021</a:t>
             </a:fld>
             <a:endParaRPr lang="es-ES"/>
           </a:p>
@@ -3250,7 +3250,7 @@
                 </a:solidFill>
                 <a:latin typeface="Helvetica LT Std Cond"/>
               </a:rPr>
-              <a:t> para la estimación de emociones con una pulsera inteligente</a:t>
+              <a:t> para la estimación de emociones empleando una pulsera inteligente</a:t>
             </a:r>
             <a:endParaRPr lang="es-ES" sz="4000" dirty="0">
               <a:solidFill>
@@ -4482,7 +4482,7 @@
           <p:nvPr>
             <p:extLst>
               <p:ext uri="{D42A27DB-BD31-4B8C-83A1-F6EECF244321}">
-                <p14:modId xmlns:p14="http://schemas.microsoft.com/office/powerpoint/2010/main" val="975261221"/>
+                <p14:modId xmlns:p14="http://schemas.microsoft.com/office/powerpoint/2010/main" val="1121772004"/>
               </p:ext>
             </p:extLst>
           </p:nvPr>
@@ -4540,12 +4540,8 @@
                         <a:buChar char="•"/>
                       </a:pPr>
                       <a:r>
-                        <a:rPr lang="es-ES" sz="2800" dirty="0" err="1"/>
-                        <a:t>Dataset</a:t>
-                      </a:r>
-                      <a:r>
                         <a:rPr lang="es-ES" sz="2800" dirty="0"/>
-                        <a:t> de </a:t>
+                        <a:t>Imágenes de </a:t>
                       </a:r>
                       <a:r>
                         <a:rPr lang="es-ES" sz="2800" b="1" dirty="0" err="1"/>
@@ -6436,20 +6432,17 @@
           <a:p>
             <a:pPr algn="ctr"/>
             <a:r>
-              <a:rPr lang="es-ES" sz="2800" b="1" dirty="0" err="1"/>
+              <a:rPr lang="es-ES" sz="2800" dirty="0" err="1"/>
               <a:t>Valence</a:t>
             </a:r>
-            <a:endParaRPr lang="es-ES" sz="2800" b="1" dirty="0"/>
+            <a:endParaRPr lang="es-ES" sz="2800" dirty="0"/>
           </a:p>
           <a:p>
             <a:pPr algn="ctr"/>
             <a:r>
               <a:rPr lang="es-ES" sz="2800" dirty="0"/>
-              <a:t>&amp;</a:t>
-            </a:r>
-          </a:p>
-          <a:p>
-            <a:pPr algn="ctr"/>
+              <a:t>&amp; </a:t>
+            </a:r>
             <a:r>
               <a:rPr lang="es-ES" sz="2800" dirty="0" err="1"/>
               <a:t>Arousal</a:t>
@@ -6502,7 +6495,7 @@
           <a:p>
             <a:pPr algn="ctr"/>
             <a:r>
-              <a:rPr lang="es-ES" sz="2800" b="1" dirty="0"/>
+              <a:rPr lang="es-ES" sz="2800" dirty="0"/>
               <a:t>Señales fisiológicas</a:t>
             </a:r>
           </a:p>
@@ -6604,7 +6597,7 @@
           <a:p>
             <a:pPr algn="ctr"/>
             <a:r>
-              <a:rPr lang="es-ES" sz="2800" b="1" dirty="0"/>
+              <a:rPr lang="es-ES" sz="2800" dirty="0"/>
               <a:t>Muestras durante un evento</a:t>
             </a:r>
           </a:p>
@@ -6654,10 +6647,10 @@
           <a:p>
             <a:pPr algn="ctr"/>
             <a:r>
-              <a:rPr lang="es-ES" sz="2800" b="1" dirty="0" err="1"/>
+              <a:rPr lang="es-ES" sz="2800" dirty="0" err="1"/>
               <a:t>Baseline</a:t>
             </a:r>
-            <a:endParaRPr lang="es-ES" sz="2800" b="1" dirty="0"/>
+            <a:endParaRPr lang="es-ES" sz="2800" dirty="0"/>
           </a:p>
         </p:txBody>
       </p:sp>
